--- a/lab9/Lab9_Summary.pptx
+++ b/lab9/Lab9_Summary.pptx
@@ -127,12 +127,12 @@
   <pc:docChgLst>
     <pc:chgData name="Potter, John [A&amp;BE]" userId="c6b96edd-c8e6-4ccd-9001-ccc49a10a254" providerId="ADAL" clId="{B9921F04-D911-455E-BE69-8B0432FEE45E}"/>
     <pc:docChg chg="custSel addSld modSld sldOrd">
-      <pc:chgData name="Potter, John [A&amp;BE]" userId="c6b96edd-c8e6-4ccd-9001-ccc49a10a254" providerId="ADAL" clId="{B9921F04-D911-455E-BE69-8B0432FEE45E}" dt="2023-04-10T20:02:57.090" v="2454" actId="3064"/>
+      <pc:chgData name="Potter, John [A&amp;BE]" userId="c6b96edd-c8e6-4ccd-9001-ccc49a10a254" providerId="ADAL" clId="{B9921F04-D911-455E-BE69-8B0432FEE45E}" dt="2023-04-12T19:06:49.747" v="2514" actId="20577"/>
       <pc:docMkLst>
         <pc:docMk/>
       </pc:docMkLst>
       <pc:sldChg chg="modSp mod">
-        <pc:chgData name="Potter, John [A&amp;BE]" userId="c6b96edd-c8e6-4ccd-9001-ccc49a10a254" providerId="ADAL" clId="{B9921F04-D911-455E-BE69-8B0432FEE45E}" dt="2023-04-07T18:53:01.034" v="1871" actId="20577"/>
+        <pc:chgData name="Potter, John [A&amp;BE]" userId="c6b96edd-c8e6-4ccd-9001-ccc49a10a254" providerId="ADAL" clId="{B9921F04-D911-455E-BE69-8B0432FEE45E}" dt="2023-04-12T19:06:16.091" v="2479" actId="20577"/>
         <pc:sldMkLst>
           <pc:docMk/>
           <pc:sldMk cId="2801540055" sldId="256"/>
@@ -234,6 +234,14 @@
           </ac:spMkLst>
         </pc:spChg>
         <pc:spChg chg="mod">
+          <ac:chgData name="Potter, John [A&amp;BE]" userId="c6b96edd-c8e6-4ccd-9001-ccc49a10a254" providerId="ADAL" clId="{B9921F04-D911-455E-BE69-8B0432FEE45E}" dt="2023-04-12T19:05:56.905" v="2461" actId="20577"/>
+          <ac:spMkLst>
+            <pc:docMk/>
+            <pc:sldMk cId="2801540055" sldId="256"/>
+            <ac:spMk id="1159" creationId="{D8E90AD2-50B1-40E3-DFA4-F873D8494AC7}"/>
+          </ac:spMkLst>
+        </pc:spChg>
+        <pc:spChg chg="mod">
           <ac:chgData name="Potter, John [A&amp;BE]" userId="c6b96edd-c8e6-4ccd-9001-ccc49a10a254" providerId="ADAL" clId="{B9921F04-D911-455E-BE69-8B0432FEE45E}" dt="2023-04-07T17:25:42.189" v="12" actId="3064"/>
           <ac:spMkLst>
             <pc:docMk/>
@@ -242,6 +250,14 @@
           </ac:spMkLst>
         </pc:spChg>
         <pc:spChg chg="mod">
+          <ac:chgData name="Potter, John [A&amp;BE]" userId="c6b96edd-c8e6-4ccd-9001-ccc49a10a254" providerId="ADAL" clId="{B9921F04-D911-455E-BE69-8B0432FEE45E}" dt="2023-04-12T19:06:16.091" v="2479" actId="20577"/>
+          <ac:spMkLst>
+            <pc:docMk/>
+            <pc:sldMk cId="2801540055" sldId="256"/>
+            <ac:spMk id="1175" creationId="{AF19B594-0A67-A02C-15A5-C881E9E38EE9}"/>
+          </ac:spMkLst>
+        </pc:spChg>
+        <pc:spChg chg="mod">
           <ac:chgData name="Potter, John [A&amp;BE]" userId="c6b96edd-c8e6-4ccd-9001-ccc49a10a254" providerId="ADAL" clId="{B9921F04-D911-455E-BE69-8B0432FEE45E}" dt="2023-04-07T17:25:50.091" v="13" actId="3064"/>
           <ac:spMkLst>
             <pc:docMk/>
@@ -250,6 +266,14 @@
           </ac:spMkLst>
         </pc:spChg>
         <pc:spChg chg="mod">
+          <ac:chgData name="Potter, John [A&amp;BE]" userId="c6b96edd-c8e6-4ccd-9001-ccc49a10a254" providerId="ADAL" clId="{B9921F04-D911-455E-BE69-8B0432FEE45E}" dt="2023-04-12T19:06:09.705" v="2474" actId="20577"/>
+          <ac:spMkLst>
+            <pc:docMk/>
+            <pc:sldMk cId="2801540055" sldId="256"/>
+            <ac:spMk id="1204" creationId="{BA534C2E-A31B-1B72-C698-1EF15F49D263}"/>
+          </ac:spMkLst>
+        </pc:spChg>
+        <pc:spChg chg="mod">
           <ac:chgData name="Potter, John [A&amp;BE]" userId="c6b96edd-c8e6-4ccd-9001-ccc49a10a254" providerId="ADAL" clId="{B9921F04-D911-455E-BE69-8B0432FEE45E}" dt="2023-04-07T17:27:01.173" v="14" actId="3064"/>
           <ac:spMkLst>
             <pc:docMk/>
@@ -257,6 +281,14 @@
             <ac:spMk id="1218" creationId="{63E6CCF0-0A81-68A8-04A0-B19F649F879D}"/>
           </ac:spMkLst>
         </pc:spChg>
+        <pc:cxnChg chg="mod">
+          <ac:chgData name="Potter, John [A&amp;BE]" userId="c6b96edd-c8e6-4ccd-9001-ccc49a10a254" providerId="ADAL" clId="{B9921F04-D911-455E-BE69-8B0432FEE45E}" dt="2023-04-12T19:05:56.905" v="2461" actId="20577"/>
+          <ac:cxnSpMkLst>
+            <pc:docMk/>
+            <pc:sldMk cId="2801540055" sldId="256"/>
+            <ac:cxnSpMk id="1156" creationId="{35AD6C9B-947F-A53B-FB5C-F2274476EE1C}"/>
+          </ac:cxnSpMkLst>
+        </pc:cxnChg>
       </pc:sldChg>
       <pc:sldChg chg="addSp modSp new mod ord">
         <pc:chgData name="Potter, John [A&amp;BE]" userId="c6b96edd-c8e6-4ccd-9001-ccc49a10a254" providerId="ADAL" clId="{B9921F04-D911-455E-BE69-8B0432FEE45E}" dt="2023-04-10T19:26:48.637" v="2134"/>
@@ -314,7 +346,7 @@
         </pc:spChg>
       </pc:sldChg>
       <pc:sldChg chg="addSp modSp add mod">
-        <pc:chgData name="Potter, John [A&amp;BE]" userId="c6b96edd-c8e6-4ccd-9001-ccc49a10a254" providerId="ADAL" clId="{B9921F04-D911-455E-BE69-8B0432FEE45E}" dt="2023-04-10T20:02:57.090" v="2454" actId="3064"/>
+        <pc:chgData name="Potter, John [A&amp;BE]" userId="c6b96edd-c8e6-4ccd-9001-ccc49a10a254" providerId="ADAL" clId="{B9921F04-D911-455E-BE69-8B0432FEE45E}" dt="2023-04-12T19:06:49.747" v="2514" actId="20577"/>
         <pc:sldMkLst>
           <pc:docMk/>
           <pc:sldMk cId="669878896" sldId="258"/>
@@ -431,6 +463,38 @@
             <ac:spMk id="15" creationId="{6117F01D-A703-EE34-91F9-EBB4C92DECC8}"/>
           </ac:spMkLst>
         </pc:spChg>
+        <pc:spChg chg="mod">
+          <ac:chgData name="Potter, John [A&amp;BE]" userId="c6b96edd-c8e6-4ccd-9001-ccc49a10a254" providerId="ADAL" clId="{B9921F04-D911-455E-BE69-8B0432FEE45E}" dt="2023-04-12T19:06:49.747" v="2514" actId="20577"/>
+          <ac:spMkLst>
+            <pc:docMk/>
+            <pc:sldMk cId="669878896" sldId="258"/>
+            <ac:spMk id="1159" creationId="{D8E90AD2-50B1-40E3-DFA4-F873D8494AC7}"/>
+          </ac:spMkLst>
+        </pc:spChg>
+        <pc:spChg chg="mod">
+          <ac:chgData name="Potter, John [A&amp;BE]" userId="c6b96edd-c8e6-4ccd-9001-ccc49a10a254" providerId="ADAL" clId="{B9921F04-D911-455E-BE69-8B0432FEE45E}" dt="2023-04-12T19:06:30.338" v="2484" actId="20577"/>
+          <ac:spMkLst>
+            <pc:docMk/>
+            <pc:sldMk cId="669878896" sldId="258"/>
+            <ac:spMk id="1175" creationId="{AF19B594-0A67-A02C-15A5-C881E9E38EE9}"/>
+          </ac:spMkLst>
+        </pc:spChg>
+        <pc:spChg chg="mod">
+          <ac:chgData name="Potter, John [A&amp;BE]" userId="c6b96edd-c8e6-4ccd-9001-ccc49a10a254" providerId="ADAL" clId="{B9921F04-D911-455E-BE69-8B0432FEE45E}" dt="2023-04-12T19:06:38.954" v="2505" actId="20577"/>
+          <ac:spMkLst>
+            <pc:docMk/>
+            <pc:sldMk cId="669878896" sldId="258"/>
+            <ac:spMk id="1204" creationId="{BA534C2E-A31B-1B72-C698-1EF15F49D263}"/>
+          </ac:spMkLst>
+        </pc:spChg>
+        <pc:cxnChg chg="mod">
+          <ac:chgData name="Potter, John [A&amp;BE]" userId="c6b96edd-c8e6-4ccd-9001-ccc49a10a254" providerId="ADAL" clId="{B9921F04-D911-455E-BE69-8B0432FEE45E}" dt="2023-04-12T19:06:49.747" v="2514" actId="20577"/>
+          <ac:cxnSpMkLst>
+            <pc:docMk/>
+            <pc:sldMk cId="669878896" sldId="258"/>
+            <ac:cxnSpMk id="1156" creationId="{35AD6C9B-947F-A53B-FB5C-F2274476EE1C}"/>
+          </ac:cxnSpMkLst>
+        </pc:cxnChg>
       </pc:sldChg>
     </pc:docChg>
   </pc:docChgLst>
@@ -9951,7 +10015,7 @@
           <a:p>
             <a:fld id="{5EBAC800-55C1-4C70-9591-A1AC9479D98B}" type="datetimeFigureOut">
               <a:rPr lang="en-US" smtClean="0"/>
-              <a:t>4/10/2023</a:t>
+              <a:t>4/12/2023</a:t>
             </a:fld>
             <a:endParaRPr lang="en-US"/>
           </a:p>
@@ -10121,7 +10185,7 @@
           <a:p>
             <a:fld id="{5EBAC800-55C1-4C70-9591-A1AC9479D98B}" type="datetimeFigureOut">
               <a:rPr lang="en-US" smtClean="0"/>
-              <a:t>4/10/2023</a:t>
+              <a:t>4/12/2023</a:t>
             </a:fld>
             <a:endParaRPr lang="en-US"/>
           </a:p>
@@ -10301,7 +10365,7 @@
           <a:p>
             <a:fld id="{5EBAC800-55C1-4C70-9591-A1AC9479D98B}" type="datetimeFigureOut">
               <a:rPr lang="en-US" smtClean="0"/>
-              <a:t>4/10/2023</a:t>
+              <a:t>4/12/2023</a:t>
             </a:fld>
             <a:endParaRPr lang="en-US"/>
           </a:p>
@@ -10471,7 +10535,7 @@
           <a:p>
             <a:fld id="{5EBAC800-55C1-4C70-9591-A1AC9479D98B}" type="datetimeFigureOut">
               <a:rPr lang="en-US" smtClean="0"/>
-              <a:t>4/10/2023</a:t>
+              <a:t>4/12/2023</a:t>
             </a:fld>
             <a:endParaRPr lang="en-US"/>
           </a:p>
@@ -10715,7 +10779,7 @@
           <a:p>
             <a:fld id="{5EBAC800-55C1-4C70-9591-A1AC9479D98B}" type="datetimeFigureOut">
               <a:rPr lang="en-US" smtClean="0"/>
-              <a:t>4/10/2023</a:t>
+              <a:t>4/12/2023</a:t>
             </a:fld>
             <a:endParaRPr lang="en-US"/>
           </a:p>
@@ -10947,7 +11011,7 @@
           <a:p>
             <a:fld id="{5EBAC800-55C1-4C70-9591-A1AC9479D98B}" type="datetimeFigureOut">
               <a:rPr lang="en-US" smtClean="0"/>
-              <a:t>4/10/2023</a:t>
+              <a:t>4/12/2023</a:t>
             </a:fld>
             <a:endParaRPr lang="en-US"/>
           </a:p>
@@ -11314,7 +11378,7 @@
           <a:p>
             <a:fld id="{5EBAC800-55C1-4C70-9591-A1AC9479D98B}" type="datetimeFigureOut">
               <a:rPr lang="en-US" smtClean="0"/>
-              <a:t>4/10/2023</a:t>
+              <a:t>4/12/2023</a:t>
             </a:fld>
             <a:endParaRPr lang="en-US"/>
           </a:p>
@@ -11432,7 +11496,7 @@
           <a:p>
             <a:fld id="{5EBAC800-55C1-4C70-9591-A1AC9479D98B}" type="datetimeFigureOut">
               <a:rPr lang="en-US" smtClean="0"/>
-              <a:t>4/10/2023</a:t>
+              <a:t>4/12/2023</a:t>
             </a:fld>
             <a:endParaRPr lang="en-US"/>
           </a:p>
@@ -11527,7 +11591,7 @@
           <a:p>
             <a:fld id="{5EBAC800-55C1-4C70-9591-A1AC9479D98B}" type="datetimeFigureOut">
               <a:rPr lang="en-US" smtClean="0"/>
-              <a:t>4/10/2023</a:t>
+              <a:t>4/12/2023</a:t>
             </a:fld>
             <a:endParaRPr lang="en-US"/>
           </a:p>
@@ -11804,7 +11868,7 @@
           <a:p>
             <a:fld id="{5EBAC800-55C1-4C70-9591-A1AC9479D98B}" type="datetimeFigureOut">
               <a:rPr lang="en-US" smtClean="0"/>
-              <a:t>4/10/2023</a:t>
+              <a:t>4/12/2023</a:t>
             </a:fld>
             <a:endParaRPr lang="en-US"/>
           </a:p>
@@ -12061,7 +12125,7 @@
           <a:p>
             <a:fld id="{5EBAC800-55C1-4C70-9591-A1AC9479D98B}" type="datetimeFigureOut">
               <a:rPr lang="en-US" smtClean="0"/>
-              <a:t>4/10/2023</a:t>
+              <a:t>4/12/2023</a:t>
             </a:fld>
             <a:endParaRPr lang="en-US"/>
           </a:p>
@@ -12274,7 +12338,7 @@
           <a:p>
             <a:fld id="{5EBAC800-55C1-4C70-9591-A1AC9479D98B}" type="datetimeFigureOut">
               <a:rPr lang="en-US" smtClean="0"/>
-              <a:t>4/10/2023</a:t>
+              <a:t>4/12/2023</a:t>
             </a:fld>
             <a:endParaRPr lang="en-US"/>
           </a:p>
@@ -25061,7 +25125,7 @@
           <p:spPr>
             <a:xfrm>
               <a:off x="2743200" y="1371600"/>
-              <a:ext cx="1" cy="342900"/>
+              <a:ext cx="3" cy="342900"/>
             </a:xfrm>
             <a:prstGeom prst="straightConnector1">
               <a:avLst/>
@@ -25192,8 +25256,8 @@
           </p:nvSpPr>
           <p:spPr>
             <a:xfrm>
-              <a:off x="2477102" y="1714500"/>
-              <a:ext cx="532198" cy="138499"/>
+              <a:off x="2365695" y="1714500"/>
+              <a:ext cx="755015" cy="138499"/>
             </a:xfrm>
             <a:prstGeom prst="rect">
               <a:avLst/>
@@ -25211,7 +25275,7 @@
                 <a:rPr lang="en-US" sz="900" dirty="0">
                   <a:latin typeface="Arial Narrow" panose="020B0606020202030204" pitchFamily="34" charset="0"/>
                 </a:rPr>
-                <a:t>Box or False</a:t>
+                <a:t>Message or False</a:t>
               </a:r>
             </a:p>
           </p:txBody>
@@ -25693,7 +25757,7 @@
                   </a:solidFill>
                   <a:latin typeface="Arial Narrow" panose="020B0606020202030204" pitchFamily="34" charset="0"/>
                 </a:rPr>
-                <a:t>Enc</a:t>
+                <a:t>Encode</a:t>
               </a:r>
             </a:p>
             <a:p>
@@ -25705,7 +25769,7 @@
                   </a:solidFill>
                   <a:latin typeface="Arial Narrow" panose="020B0606020202030204" pitchFamily="34" charset="0"/>
                 </a:rPr>
-                <a:t>Tok</a:t>
+                <a:t>Token</a:t>
               </a:r>
             </a:p>
           </p:txBody>
@@ -26742,22 +26806,13 @@
             <a:p>
               <a:pPr algn="ctr"/>
               <a:r>
-                <a:rPr lang="en-US" sz="900" dirty="0" err="1">
-                  <a:solidFill>
-                    <a:schemeClr val="tx1"/>
-                  </a:solidFill>
-                  <a:latin typeface="Arial Narrow" panose="020B0606020202030204" pitchFamily="34" charset="0"/>
-                </a:rPr>
-                <a:t>Abrv</a:t>
-              </a:r>
-              <a:r>
                 <a:rPr lang="en-US" sz="900" dirty="0">
                   <a:solidFill>
                     <a:schemeClr val="tx1"/>
                   </a:solidFill>
                   <a:latin typeface="Arial Narrow" panose="020B0606020202030204" pitchFamily="34" charset="0"/>
                 </a:rPr>
-                <a:t>.</a:t>
+                <a:t>Decode Token</a:t>
               </a:r>
             </a:p>
           </p:txBody>
@@ -40827,7 +40882,7 @@
           <p:spPr>
             <a:xfrm>
               <a:off x="2743200" y="1371600"/>
-              <a:ext cx="1" cy="342900"/>
+              <a:ext cx="4" cy="342900"/>
             </a:xfrm>
             <a:prstGeom prst="straightConnector1">
               <a:avLst/>
@@ -40958,8 +41013,8 @@
           </p:nvSpPr>
           <p:spPr>
             <a:xfrm>
-              <a:off x="2477102" y="1714500"/>
-              <a:ext cx="532198" cy="138499"/>
+              <a:off x="2365696" y="1714500"/>
+              <a:ext cx="755015" cy="138499"/>
             </a:xfrm>
             <a:prstGeom prst="rect">
               <a:avLst/>
@@ -40974,10 +41029,16 @@
             <a:p>
               <a:pPr algn="ctr"/>
               <a:r>
+                <a:rPr lang="en-US" sz="900">
+                  <a:latin typeface="Arial Narrow" panose="020B0606020202030204" pitchFamily="34" charset="0"/>
+                </a:rPr>
+                <a:t>Message </a:t>
+              </a:r>
+              <a:r>
                 <a:rPr lang="en-US" sz="900" dirty="0">
                   <a:latin typeface="Arial Narrow" panose="020B0606020202030204" pitchFamily="34" charset="0"/>
                 </a:rPr>
-                <a:t>Box or False</a:t>
+                <a:t>or False</a:t>
               </a:r>
             </a:p>
           </p:txBody>
@@ -41459,7 +41520,7 @@
                   </a:solidFill>
                   <a:latin typeface="Arial Narrow" panose="020B0606020202030204" pitchFamily="34" charset="0"/>
                 </a:rPr>
-                <a:t>Enc</a:t>
+                <a:t>Encode</a:t>
               </a:r>
             </a:p>
             <a:p>
@@ -41471,7 +41532,7 @@
                   </a:solidFill>
                   <a:latin typeface="Arial Narrow" panose="020B0606020202030204" pitchFamily="34" charset="0"/>
                 </a:rPr>
-                <a:t>Tok</a:t>
+                <a:t>Token</a:t>
               </a:r>
             </a:p>
           </p:txBody>
@@ -42508,22 +42569,13 @@
             <a:p>
               <a:pPr algn="ctr"/>
               <a:r>
-                <a:rPr lang="en-US" sz="900" dirty="0" err="1">
-                  <a:solidFill>
-                    <a:schemeClr val="tx1"/>
-                  </a:solidFill>
-                  <a:latin typeface="Arial Narrow" panose="020B0606020202030204" pitchFamily="34" charset="0"/>
-                </a:rPr>
-                <a:t>Abrv</a:t>
-              </a:r>
-              <a:r>
                 <a:rPr lang="en-US" sz="900" dirty="0">
                   <a:solidFill>
                     <a:schemeClr val="tx1"/>
                   </a:solidFill>
                   <a:latin typeface="Arial Narrow" panose="020B0606020202030204" pitchFamily="34" charset="0"/>
                 </a:rPr>
-                <a:t>.</a:t>
+                <a:t>Decode Token</a:t>
               </a:r>
             </a:p>
           </p:txBody>

--- a/lab9/Lab9_Summary.pptx
+++ b/lab9/Lab9_Summary.pptx
@@ -10015,7 +10015,7 @@
           <a:p>
             <a:fld id="{5EBAC800-55C1-4C70-9591-A1AC9479D98B}" type="datetimeFigureOut">
               <a:rPr lang="en-US" smtClean="0"/>
-              <a:t>4/12/2023</a:t>
+              <a:t>4/24/2023</a:t>
             </a:fld>
             <a:endParaRPr lang="en-US"/>
           </a:p>
@@ -10185,7 +10185,7 @@
           <a:p>
             <a:fld id="{5EBAC800-55C1-4C70-9591-A1AC9479D98B}" type="datetimeFigureOut">
               <a:rPr lang="en-US" smtClean="0"/>
-              <a:t>4/12/2023</a:t>
+              <a:t>4/24/2023</a:t>
             </a:fld>
             <a:endParaRPr lang="en-US"/>
           </a:p>
@@ -10365,7 +10365,7 @@
           <a:p>
             <a:fld id="{5EBAC800-55C1-4C70-9591-A1AC9479D98B}" type="datetimeFigureOut">
               <a:rPr lang="en-US" smtClean="0"/>
-              <a:t>4/12/2023</a:t>
+              <a:t>4/24/2023</a:t>
             </a:fld>
             <a:endParaRPr lang="en-US"/>
           </a:p>
@@ -10535,7 +10535,7 @@
           <a:p>
             <a:fld id="{5EBAC800-55C1-4C70-9591-A1AC9479D98B}" type="datetimeFigureOut">
               <a:rPr lang="en-US" smtClean="0"/>
-              <a:t>4/12/2023</a:t>
+              <a:t>4/24/2023</a:t>
             </a:fld>
             <a:endParaRPr lang="en-US"/>
           </a:p>
@@ -10779,7 +10779,7 @@
           <a:p>
             <a:fld id="{5EBAC800-55C1-4C70-9591-A1AC9479D98B}" type="datetimeFigureOut">
               <a:rPr lang="en-US" smtClean="0"/>
-              <a:t>4/12/2023</a:t>
+              <a:t>4/24/2023</a:t>
             </a:fld>
             <a:endParaRPr lang="en-US"/>
           </a:p>
@@ -11011,7 +11011,7 @@
           <a:p>
             <a:fld id="{5EBAC800-55C1-4C70-9591-A1AC9479D98B}" type="datetimeFigureOut">
               <a:rPr lang="en-US" smtClean="0"/>
-              <a:t>4/12/2023</a:t>
+              <a:t>4/24/2023</a:t>
             </a:fld>
             <a:endParaRPr lang="en-US"/>
           </a:p>
@@ -11378,7 +11378,7 @@
           <a:p>
             <a:fld id="{5EBAC800-55C1-4C70-9591-A1AC9479D98B}" type="datetimeFigureOut">
               <a:rPr lang="en-US" smtClean="0"/>
-              <a:t>4/12/2023</a:t>
+              <a:t>4/24/2023</a:t>
             </a:fld>
             <a:endParaRPr lang="en-US"/>
           </a:p>
@@ -11496,7 +11496,7 @@
           <a:p>
             <a:fld id="{5EBAC800-55C1-4C70-9591-A1AC9479D98B}" type="datetimeFigureOut">
               <a:rPr lang="en-US" smtClean="0"/>
-              <a:t>4/12/2023</a:t>
+              <a:t>4/24/2023</a:t>
             </a:fld>
             <a:endParaRPr lang="en-US"/>
           </a:p>
@@ -11591,7 +11591,7 @@
           <a:p>
             <a:fld id="{5EBAC800-55C1-4C70-9591-A1AC9479D98B}" type="datetimeFigureOut">
               <a:rPr lang="en-US" smtClean="0"/>
-              <a:t>4/12/2023</a:t>
+              <a:t>4/24/2023</a:t>
             </a:fld>
             <a:endParaRPr lang="en-US"/>
           </a:p>
@@ -11868,7 +11868,7 @@
           <a:p>
             <a:fld id="{5EBAC800-55C1-4C70-9591-A1AC9479D98B}" type="datetimeFigureOut">
               <a:rPr lang="en-US" smtClean="0"/>
-              <a:t>4/12/2023</a:t>
+              <a:t>4/24/2023</a:t>
             </a:fld>
             <a:endParaRPr lang="en-US"/>
           </a:p>
@@ -12125,7 +12125,7 @@
           <a:p>
             <a:fld id="{5EBAC800-55C1-4C70-9591-A1AC9479D98B}" type="datetimeFigureOut">
               <a:rPr lang="en-US" smtClean="0"/>
-              <a:t>4/12/2023</a:t>
+              <a:t>4/24/2023</a:t>
             </a:fld>
             <a:endParaRPr lang="en-US"/>
           </a:p>
@@ -12338,7 +12338,7 @@
           <a:p>
             <a:fld id="{5EBAC800-55C1-4C70-9591-A1AC9479D98B}" type="datetimeFigureOut">
               <a:rPr lang="en-US" smtClean="0"/>
-              <a:t>4/12/2023</a:t>
+              <a:t>4/24/2023</a:t>
             </a:fld>
             <a:endParaRPr lang="en-US"/>
           </a:p>
@@ -43541,7 +43541,7 @@
                 </a:solidFill>
                 <a:latin typeface="Arial Narrow" panose="020B0606020202030204" pitchFamily="34" charset="0"/>
               </a:rPr>
-              <a:t>NIST 800-56Ar2</a:t>
+              <a:t>NIST 800-56Ar3</a:t>
             </a:r>
           </a:p>
         </p:txBody>
